--- a/Motorok.pptx
+++ b/Motorok.pptx
@@ -425,7 +425,7 @@
           </a:lstStyle>
           <a:p>
             <a:r>
-              <a:rPr lang="hu-HU" smtClean="0"/>
+              <a:rPr lang="hu-HU"/>
               <a:t>Mintacím szerkesztése</a:t>
             </a:r>
             <a:endParaRPr lang="en-US" dirty="0"/>
@@ -496,7 +496,7 @@
           </a:lstStyle>
           <a:p>
             <a:r>
-              <a:rPr lang="hu-HU" smtClean="0"/>
+              <a:rPr lang="hu-HU"/>
               <a:t>Kattintson ide az alcím mintájának szerkesztéséhez</a:t>
             </a:r>
             <a:endParaRPr lang="en-US" dirty="0"/>
@@ -520,7 +520,7 @@
           <a:p>
             <a:fld id="{7E7C8BDB-2336-4AFE-A282-0A0D6B6E4638}" type="datetimeFigureOut">
               <a:rPr lang="hu-HU" smtClean="0"/>
-              <a:t>2023. 04. 28.</a:t>
+              <a:t>2023. 05. 12.</a:t>
             </a:fld>
             <a:endParaRPr lang="hu-HU"/>
           </a:p>
@@ -623,7 +623,7 @@
           <a:lstStyle/>
           <a:p>
             <a:r>
-              <a:rPr lang="hu-HU" smtClean="0"/>
+              <a:rPr lang="hu-HU"/>
               <a:t>Mintacím szerkesztése</a:t>
             </a:r>
             <a:endParaRPr lang="en-US" dirty="0"/>
@@ -647,35 +647,35 @@
           <a:p>
             <a:pPr lvl="0"/>
             <a:r>
-              <a:rPr lang="hu-HU" smtClean="0"/>
+              <a:rPr lang="hu-HU"/>
               <a:t>Mintaszöveg szerkesztése</a:t>
             </a:r>
           </a:p>
           <a:p>
             <a:pPr lvl="1"/>
             <a:r>
-              <a:rPr lang="hu-HU" smtClean="0"/>
+              <a:rPr lang="hu-HU"/>
               <a:t>Második szint</a:t>
             </a:r>
           </a:p>
           <a:p>
             <a:pPr lvl="2"/>
             <a:r>
-              <a:rPr lang="hu-HU" smtClean="0"/>
+              <a:rPr lang="hu-HU"/>
               <a:t>Harmadik szint</a:t>
             </a:r>
           </a:p>
           <a:p>
             <a:pPr lvl="3"/>
             <a:r>
-              <a:rPr lang="hu-HU" smtClean="0"/>
+              <a:rPr lang="hu-HU"/>
               <a:t>Negyedik szint</a:t>
             </a:r>
           </a:p>
           <a:p>
             <a:pPr lvl="4"/>
             <a:r>
-              <a:rPr lang="hu-HU" smtClean="0"/>
+              <a:rPr lang="hu-HU"/>
               <a:t>Ötödik szint</a:t>
             </a:r>
             <a:endParaRPr lang="en-US" dirty="0"/>
@@ -699,7 +699,7 @@
           <a:p>
             <a:fld id="{7E7C8BDB-2336-4AFE-A282-0A0D6B6E4638}" type="datetimeFigureOut">
               <a:rPr lang="hu-HU" smtClean="0"/>
-              <a:t>2023. 04. 28.</a:t>
+              <a:t>2023. 05. 12.</a:t>
             </a:fld>
             <a:endParaRPr lang="hu-HU"/>
           </a:p>
@@ -798,7 +798,7 @@
           <a:lstStyle/>
           <a:p>
             <a:r>
-              <a:rPr lang="hu-HU" smtClean="0"/>
+              <a:rPr lang="hu-HU"/>
               <a:t>Mintacím szerkesztése</a:t>
             </a:r>
             <a:endParaRPr lang="en-US" dirty="0"/>
@@ -827,35 +827,35 @@
           <a:p>
             <a:pPr lvl="0"/>
             <a:r>
-              <a:rPr lang="hu-HU" smtClean="0"/>
+              <a:rPr lang="hu-HU"/>
               <a:t>Mintaszöveg szerkesztése</a:t>
             </a:r>
           </a:p>
           <a:p>
             <a:pPr lvl="1"/>
             <a:r>
-              <a:rPr lang="hu-HU" smtClean="0"/>
+              <a:rPr lang="hu-HU"/>
               <a:t>Második szint</a:t>
             </a:r>
           </a:p>
           <a:p>
             <a:pPr lvl="2"/>
             <a:r>
-              <a:rPr lang="hu-HU" smtClean="0"/>
+              <a:rPr lang="hu-HU"/>
               <a:t>Harmadik szint</a:t>
             </a:r>
           </a:p>
           <a:p>
             <a:pPr lvl="3"/>
             <a:r>
-              <a:rPr lang="hu-HU" smtClean="0"/>
+              <a:rPr lang="hu-HU"/>
               <a:t>Negyedik szint</a:t>
             </a:r>
           </a:p>
           <a:p>
             <a:pPr lvl="4"/>
             <a:r>
-              <a:rPr lang="hu-HU" smtClean="0"/>
+              <a:rPr lang="hu-HU"/>
               <a:t>Ötödik szint</a:t>
             </a:r>
             <a:endParaRPr lang="en-US" dirty="0"/>
@@ -879,7 +879,7 @@
           <a:p>
             <a:fld id="{7E7C8BDB-2336-4AFE-A282-0A0D6B6E4638}" type="datetimeFigureOut">
               <a:rPr lang="hu-HU" smtClean="0"/>
-              <a:t>2023. 04. 28.</a:t>
+              <a:t>2023. 05. 12.</a:t>
             </a:fld>
             <a:endParaRPr lang="hu-HU"/>
           </a:p>
@@ -973,7 +973,7 @@
           <a:lstStyle/>
           <a:p>
             <a:r>
-              <a:rPr lang="hu-HU" smtClean="0"/>
+              <a:rPr lang="hu-HU"/>
               <a:t>Mintacím szerkesztése</a:t>
             </a:r>
             <a:endParaRPr lang="en-US" dirty="0"/>
@@ -997,35 +997,35 @@
           <a:p>
             <a:pPr lvl="0"/>
             <a:r>
-              <a:rPr lang="hu-HU" smtClean="0"/>
+              <a:rPr lang="hu-HU"/>
               <a:t>Mintaszöveg szerkesztése</a:t>
             </a:r>
           </a:p>
           <a:p>
             <a:pPr lvl="1"/>
             <a:r>
-              <a:rPr lang="hu-HU" smtClean="0"/>
+              <a:rPr lang="hu-HU"/>
               <a:t>Második szint</a:t>
             </a:r>
           </a:p>
           <a:p>
             <a:pPr lvl="2"/>
             <a:r>
-              <a:rPr lang="hu-HU" smtClean="0"/>
+              <a:rPr lang="hu-HU"/>
               <a:t>Harmadik szint</a:t>
             </a:r>
           </a:p>
           <a:p>
             <a:pPr lvl="3"/>
             <a:r>
-              <a:rPr lang="hu-HU" smtClean="0"/>
+              <a:rPr lang="hu-HU"/>
               <a:t>Negyedik szint</a:t>
             </a:r>
           </a:p>
           <a:p>
             <a:pPr lvl="4"/>
             <a:r>
-              <a:rPr lang="hu-HU" smtClean="0"/>
+              <a:rPr lang="hu-HU"/>
               <a:t>Ötödik szint</a:t>
             </a:r>
             <a:endParaRPr lang="en-US" dirty="0"/>
@@ -1049,7 +1049,7 @@
           <a:p>
             <a:fld id="{7E7C8BDB-2336-4AFE-A282-0A0D6B6E4638}" type="datetimeFigureOut">
               <a:rPr lang="hu-HU" smtClean="0"/>
-              <a:t>2023. 04. 28.</a:t>
+              <a:t>2023. 05. 12.</a:t>
             </a:fld>
             <a:endParaRPr lang="hu-HU"/>
           </a:p>
@@ -1214,7 +1214,7 @@
           </a:lstStyle>
           <a:p>
             <a:r>
-              <a:rPr lang="hu-HU" smtClean="0"/>
+              <a:rPr lang="hu-HU"/>
               <a:t>Mintacím szerkesztése</a:t>
             </a:r>
             <a:endParaRPr lang="en-US" dirty="0"/>
@@ -1334,7 +1334,7 @@
           <a:p>
             <a:pPr lvl="0"/>
             <a:r>
-              <a:rPr lang="hu-HU" smtClean="0"/>
+              <a:rPr lang="hu-HU"/>
               <a:t>Mintaszöveg szerkesztése</a:t>
             </a:r>
           </a:p>
@@ -1362,7 +1362,7 @@
           <a:p>
             <a:fld id="{7E7C8BDB-2336-4AFE-A282-0A0D6B6E4638}" type="datetimeFigureOut">
               <a:rPr lang="hu-HU" smtClean="0"/>
-              <a:t>2023. 04. 28.</a:t>
+              <a:t>2023. 05. 12.</a:t>
             </a:fld>
             <a:endParaRPr lang="hu-HU"/>
           </a:p>
@@ -1554,7 +1554,7 @@
           <a:lstStyle/>
           <a:p>
             <a:r>
-              <a:rPr lang="hu-HU" smtClean="0"/>
+              <a:rPr lang="hu-HU"/>
               <a:t>Mintacím szerkesztése</a:t>
             </a:r>
             <a:endParaRPr lang="en-US" dirty="0"/>
@@ -1611,35 +1611,35 @@
           <a:p>
             <a:pPr lvl="0"/>
             <a:r>
-              <a:rPr lang="hu-HU" smtClean="0"/>
+              <a:rPr lang="hu-HU"/>
               <a:t>Mintaszöveg szerkesztése</a:t>
             </a:r>
           </a:p>
           <a:p>
             <a:pPr lvl="1"/>
             <a:r>
-              <a:rPr lang="hu-HU" smtClean="0"/>
+              <a:rPr lang="hu-HU"/>
               <a:t>Második szint</a:t>
             </a:r>
           </a:p>
           <a:p>
             <a:pPr lvl="2"/>
             <a:r>
-              <a:rPr lang="hu-HU" smtClean="0"/>
+              <a:rPr lang="hu-HU"/>
               <a:t>Harmadik szint</a:t>
             </a:r>
           </a:p>
           <a:p>
             <a:pPr lvl="3"/>
             <a:r>
-              <a:rPr lang="hu-HU" smtClean="0"/>
+              <a:rPr lang="hu-HU"/>
               <a:t>Negyedik szint</a:t>
             </a:r>
           </a:p>
           <a:p>
             <a:pPr lvl="4"/>
             <a:r>
-              <a:rPr lang="hu-HU" smtClean="0"/>
+              <a:rPr lang="hu-HU"/>
               <a:t>Ötödik szint</a:t>
             </a:r>
             <a:endParaRPr lang="en-US" dirty="0"/>
@@ -1696,35 +1696,35 @@
           <a:p>
             <a:pPr lvl="0"/>
             <a:r>
-              <a:rPr lang="hu-HU" smtClean="0"/>
+              <a:rPr lang="hu-HU"/>
               <a:t>Mintaszöveg szerkesztése</a:t>
             </a:r>
           </a:p>
           <a:p>
             <a:pPr lvl="1"/>
             <a:r>
-              <a:rPr lang="hu-HU" smtClean="0"/>
+              <a:rPr lang="hu-HU"/>
               <a:t>Második szint</a:t>
             </a:r>
           </a:p>
           <a:p>
             <a:pPr lvl="2"/>
             <a:r>
-              <a:rPr lang="hu-HU" smtClean="0"/>
+              <a:rPr lang="hu-HU"/>
               <a:t>Harmadik szint</a:t>
             </a:r>
           </a:p>
           <a:p>
             <a:pPr lvl="3"/>
             <a:r>
-              <a:rPr lang="hu-HU" smtClean="0"/>
+              <a:rPr lang="hu-HU"/>
               <a:t>Negyedik szint</a:t>
             </a:r>
           </a:p>
           <a:p>
             <a:pPr lvl="4"/>
             <a:r>
-              <a:rPr lang="hu-HU" smtClean="0"/>
+              <a:rPr lang="hu-HU"/>
               <a:t>Ötödik szint</a:t>
             </a:r>
             <a:endParaRPr lang="en-US" dirty="0"/>
@@ -1748,7 +1748,7 @@
           <a:p>
             <a:fld id="{7E7C8BDB-2336-4AFE-A282-0A0D6B6E4638}" type="datetimeFigureOut">
               <a:rPr lang="hu-HU" smtClean="0"/>
-              <a:t>2023. 04. 28.</a:t>
+              <a:t>2023. 05. 12.</a:t>
             </a:fld>
             <a:endParaRPr lang="hu-HU"/>
           </a:p>
@@ -1842,7 +1842,7 @@
           <a:lstStyle/>
           <a:p>
             <a:r>
-              <a:rPr lang="hu-HU" smtClean="0"/>
+              <a:rPr lang="hu-HU"/>
               <a:t>Mintacím szerkesztése</a:t>
             </a:r>
             <a:endParaRPr lang="en-US" dirty="0"/>
@@ -1916,7 +1916,7 @@
           <a:p>
             <a:pPr lvl="0"/>
             <a:r>
-              <a:rPr lang="hu-HU" smtClean="0"/>
+              <a:rPr lang="hu-HU"/>
               <a:t>Mintaszöveg szerkesztése</a:t>
             </a:r>
           </a:p>
@@ -1972,35 +1972,35 @@
           <a:p>
             <a:pPr lvl="0"/>
             <a:r>
-              <a:rPr lang="hu-HU" smtClean="0"/>
+              <a:rPr lang="hu-HU"/>
               <a:t>Mintaszöveg szerkesztése</a:t>
             </a:r>
           </a:p>
           <a:p>
             <a:pPr lvl="1"/>
             <a:r>
-              <a:rPr lang="hu-HU" smtClean="0"/>
+              <a:rPr lang="hu-HU"/>
               <a:t>Második szint</a:t>
             </a:r>
           </a:p>
           <a:p>
             <a:pPr lvl="2"/>
             <a:r>
-              <a:rPr lang="hu-HU" smtClean="0"/>
+              <a:rPr lang="hu-HU"/>
               <a:t>Harmadik szint</a:t>
             </a:r>
           </a:p>
           <a:p>
             <a:pPr lvl="3"/>
             <a:r>
-              <a:rPr lang="hu-HU" smtClean="0"/>
+              <a:rPr lang="hu-HU"/>
               <a:t>Negyedik szint</a:t>
             </a:r>
           </a:p>
           <a:p>
             <a:pPr lvl="4"/>
             <a:r>
-              <a:rPr lang="hu-HU" smtClean="0"/>
+              <a:rPr lang="hu-HU"/>
               <a:t>Ötödik szint</a:t>
             </a:r>
             <a:endParaRPr lang="en-US" dirty="0"/>
@@ -2074,7 +2074,7 @@
           <a:p>
             <a:pPr lvl="0"/>
             <a:r>
-              <a:rPr lang="hu-HU" smtClean="0"/>
+              <a:rPr lang="hu-HU"/>
               <a:t>Mintaszöveg szerkesztése</a:t>
             </a:r>
           </a:p>
@@ -2130,35 +2130,35 @@
           <a:p>
             <a:pPr lvl="0"/>
             <a:r>
-              <a:rPr lang="hu-HU" smtClean="0"/>
+              <a:rPr lang="hu-HU"/>
               <a:t>Mintaszöveg szerkesztése</a:t>
             </a:r>
           </a:p>
           <a:p>
             <a:pPr lvl="1"/>
             <a:r>
-              <a:rPr lang="hu-HU" smtClean="0"/>
+              <a:rPr lang="hu-HU"/>
               <a:t>Második szint</a:t>
             </a:r>
           </a:p>
           <a:p>
             <a:pPr lvl="2"/>
             <a:r>
-              <a:rPr lang="hu-HU" smtClean="0"/>
+              <a:rPr lang="hu-HU"/>
               <a:t>Harmadik szint</a:t>
             </a:r>
           </a:p>
           <a:p>
             <a:pPr lvl="3"/>
             <a:r>
-              <a:rPr lang="hu-HU" smtClean="0"/>
+              <a:rPr lang="hu-HU"/>
               <a:t>Negyedik szint</a:t>
             </a:r>
           </a:p>
           <a:p>
             <a:pPr lvl="4"/>
             <a:r>
-              <a:rPr lang="hu-HU" smtClean="0"/>
+              <a:rPr lang="hu-HU"/>
               <a:t>Ötödik szint</a:t>
             </a:r>
             <a:endParaRPr lang="en-US" dirty="0"/>
@@ -2182,7 +2182,7 @@
           <a:p>
             <a:fld id="{7E7C8BDB-2336-4AFE-A282-0A0D6B6E4638}" type="datetimeFigureOut">
               <a:rPr lang="hu-HU" smtClean="0"/>
-              <a:t>2023. 04. 28.</a:t>
+              <a:t>2023. 05. 12.</a:t>
             </a:fld>
             <a:endParaRPr lang="hu-HU"/>
           </a:p>
@@ -2276,7 +2276,7 @@
           <a:lstStyle/>
           <a:p>
             <a:r>
-              <a:rPr lang="hu-HU" smtClean="0"/>
+              <a:rPr lang="hu-HU"/>
               <a:t>Mintacím szerkesztése</a:t>
             </a:r>
             <a:endParaRPr lang="en-US" dirty="0"/>
@@ -2300,7 +2300,7 @@
           <a:p>
             <a:fld id="{7E7C8BDB-2336-4AFE-A282-0A0D6B6E4638}" type="datetimeFigureOut">
               <a:rPr lang="hu-HU" smtClean="0"/>
-              <a:t>2023. 04. 28.</a:t>
+              <a:t>2023. 05. 12.</a:t>
             </a:fld>
             <a:endParaRPr lang="hu-HU"/>
           </a:p>
@@ -2395,7 +2395,7 @@
           <a:p>
             <a:fld id="{7E7C8BDB-2336-4AFE-A282-0A0D6B6E4638}" type="datetimeFigureOut">
               <a:rPr lang="hu-HU" smtClean="0"/>
-              <a:t>2023. 04. 28.</a:t>
+              <a:t>2023. 05. 12.</a:t>
             </a:fld>
             <a:endParaRPr lang="hu-HU"/>
           </a:p>
@@ -2557,7 +2557,7 @@
           </a:lstStyle>
           <a:p>
             <a:r>
-              <a:rPr lang="hu-HU" smtClean="0"/>
+              <a:rPr lang="hu-HU"/>
               <a:t>Mintacím szerkesztése</a:t>
             </a:r>
             <a:endParaRPr lang="en-US" dirty="0"/>
@@ -2614,35 +2614,35 @@
           <a:p>
             <a:pPr lvl="0"/>
             <a:r>
-              <a:rPr lang="hu-HU" smtClean="0"/>
+              <a:rPr lang="hu-HU"/>
               <a:t>Mintaszöveg szerkesztése</a:t>
             </a:r>
           </a:p>
           <a:p>
             <a:pPr lvl="1"/>
             <a:r>
-              <a:rPr lang="hu-HU" smtClean="0"/>
+              <a:rPr lang="hu-HU"/>
               <a:t>Második szint</a:t>
             </a:r>
           </a:p>
           <a:p>
             <a:pPr lvl="2"/>
             <a:r>
-              <a:rPr lang="hu-HU" smtClean="0"/>
+              <a:rPr lang="hu-HU"/>
               <a:t>Harmadik szint</a:t>
             </a:r>
           </a:p>
           <a:p>
             <a:pPr lvl="3"/>
             <a:r>
-              <a:rPr lang="hu-HU" smtClean="0"/>
+              <a:rPr lang="hu-HU"/>
               <a:t>Negyedik szint</a:t>
             </a:r>
           </a:p>
           <a:p>
             <a:pPr lvl="4"/>
             <a:r>
-              <a:rPr lang="hu-HU" smtClean="0"/>
+              <a:rPr lang="hu-HU"/>
               <a:t>Ötödik szint</a:t>
             </a:r>
             <a:endParaRPr lang="en-US" dirty="0"/>
@@ -2722,7 +2722,7 @@
           <a:p>
             <a:pPr lvl="0"/>
             <a:r>
-              <a:rPr lang="hu-HU" smtClean="0"/>
+              <a:rPr lang="hu-HU"/>
               <a:t>Mintaszöveg szerkesztése</a:t>
             </a:r>
           </a:p>
@@ -2745,7 +2745,7 @@
           <a:p>
             <a:fld id="{7E7C8BDB-2336-4AFE-A282-0A0D6B6E4638}" type="datetimeFigureOut">
               <a:rPr lang="hu-HU" smtClean="0"/>
-              <a:t>2023. 04. 28.</a:t>
+              <a:t>2023. 05. 12.</a:t>
             </a:fld>
             <a:endParaRPr lang="hu-HU"/>
           </a:p>
@@ -2996,7 +2996,7 @@
           </a:lstStyle>
           <a:p>
             <a:r>
-              <a:rPr lang="hu-HU" smtClean="0"/>
+              <a:rPr lang="hu-HU"/>
               <a:t>Mintacím szerkesztése</a:t>
             </a:r>
             <a:endParaRPr lang="en-US" dirty="0"/>
@@ -3067,7 +3067,7 @@
           </a:lstStyle>
           <a:p>
             <a:r>
-              <a:rPr lang="hu-HU" smtClean="0"/>
+              <a:rPr lang="hu-HU"/>
               <a:t>Kép beszúrásához kattintson az ikonra</a:t>
             </a:r>
             <a:endParaRPr lang="en-US" dirty="0"/>
@@ -3147,7 +3147,7 @@
           <a:p>
             <a:pPr lvl="0"/>
             <a:r>
-              <a:rPr lang="hu-HU" smtClean="0"/>
+              <a:rPr lang="hu-HU"/>
               <a:t>Mintaszöveg szerkesztése</a:t>
             </a:r>
           </a:p>
@@ -3170,7 +3170,7 @@
           <a:p>
             <a:fld id="{7E7C8BDB-2336-4AFE-A282-0A0D6B6E4638}" type="datetimeFigureOut">
               <a:rPr lang="hu-HU" smtClean="0"/>
-              <a:t>2023. 04. 28.</a:t>
+              <a:t>2023. 05. 12.</a:t>
             </a:fld>
             <a:endParaRPr lang="hu-HU"/>
           </a:p>
@@ -3349,7 +3349,7 @@
           <a:lstStyle/>
           <a:p>
             <a:r>
-              <a:rPr lang="hu-HU" smtClean="0"/>
+              <a:rPr lang="hu-HU"/>
               <a:t>Mintacím szerkesztése</a:t>
             </a:r>
             <a:endParaRPr lang="en-US" dirty="0"/>
@@ -3383,35 +3383,35 @@
           <a:p>
             <a:pPr lvl="0"/>
             <a:r>
-              <a:rPr lang="hu-HU" smtClean="0"/>
+              <a:rPr lang="hu-HU"/>
               <a:t>Mintaszöveg szerkesztése</a:t>
             </a:r>
           </a:p>
           <a:p>
             <a:pPr lvl="1"/>
             <a:r>
-              <a:rPr lang="hu-HU" smtClean="0"/>
+              <a:rPr lang="hu-HU"/>
               <a:t>Második szint</a:t>
             </a:r>
           </a:p>
           <a:p>
             <a:pPr lvl="2"/>
             <a:r>
-              <a:rPr lang="hu-HU" smtClean="0"/>
+              <a:rPr lang="hu-HU"/>
               <a:t>Harmadik szint</a:t>
             </a:r>
           </a:p>
           <a:p>
             <a:pPr lvl="3"/>
             <a:r>
-              <a:rPr lang="hu-HU" smtClean="0"/>
+              <a:rPr lang="hu-HU"/>
               <a:t>Negyedik szint</a:t>
             </a:r>
           </a:p>
           <a:p>
             <a:pPr lvl="4"/>
             <a:r>
-              <a:rPr lang="hu-HU" smtClean="0"/>
+              <a:rPr lang="hu-HU"/>
               <a:t>Ötödik szint</a:t>
             </a:r>
             <a:endParaRPr lang="en-US" dirty="0"/>
@@ -3451,7 +3451,7 @@
           <a:p>
             <a:fld id="{7E7C8BDB-2336-4AFE-A282-0A0D6B6E4638}" type="datetimeFigureOut">
               <a:rPr lang="hu-HU" smtClean="0"/>
-              <a:t>2023. 04. 28.</a:t>
+              <a:t>2023. 05. 12.</a:t>
             </a:fld>
             <a:endParaRPr lang="hu-HU"/>
           </a:p>
@@ -4048,10 +4048,9 @@
           <a:lstStyle/>
           <a:p>
             <a:r>
-              <a:rPr lang="hu-HU" dirty="0" smtClean="0"/>
+              <a:rPr lang="hu-HU" dirty="0"/>
               <a:t>Motorok</a:t>
             </a:r>
-            <a:endParaRPr lang="hu-HU" dirty="0"/>
           </a:p>
         </p:txBody>
       </p:sp>
@@ -4071,18 +4070,17 @@
           <a:lstStyle/>
           <a:p>
             <a:r>
-              <a:rPr lang="hu-HU" dirty="0" smtClean="0"/>
+              <a:rPr lang="hu-HU" dirty="0"/>
               <a:t>Készítette: Botos Benedek, Galántai Atilla, </a:t>
             </a:r>
             <a:r>
-              <a:rPr lang="hu-HU" dirty="0" err="1" smtClean="0"/>
+              <a:rPr lang="hu-HU" dirty="0" err="1"/>
               <a:t>Léhner</a:t>
             </a:r>
             <a:r>
-              <a:rPr lang="hu-HU" dirty="0" smtClean="0"/>
+              <a:rPr lang="hu-HU" dirty="0"/>
               <a:t> Milán, Tóth Norbert, Tóth Dominik</a:t>
             </a:r>
-            <a:endParaRPr lang="hu-HU" dirty="0"/>
           </a:p>
         </p:txBody>
       </p:sp>
@@ -4132,10 +4130,9 @@
           <a:lstStyle/>
           <a:p>
             <a:r>
-              <a:rPr lang="hu-HU" dirty="0" smtClean="0"/>
+              <a:rPr lang="hu-HU" dirty="0"/>
               <a:t>Általános Információk</a:t>
             </a:r>
-            <a:endParaRPr lang="hu-HU" dirty="0"/>
           </a:p>
         </p:txBody>
       </p:sp>
@@ -4156,19 +4153,7 @@
           <a:p>
             <a:r>
               <a:rPr lang="hu-HU" dirty="0"/>
-              <a:t>A motorkerékpár </a:t>
-            </a:r>
-            <a:r>
-              <a:rPr lang="hu-HU" dirty="0" smtClean="0"/>
-              <a:t>egynyomtávú</a:t>
-            </a:r>
-            <a:r>
-              <a:rPr lang="hu-HU" dirty="0"/>
-              <a:t>, kétkerekű motoros közlekedési eszköz</a:t>
-            </a:r>
-            <a:r>
-              <a:rPr lang="hu-HU" dirty="0" smtClean="0"/>
-              <a:t>.</a:t>
+              <a:t>A motorkerékpár egynyomtávú, kétkerekű motoros közlekedési eszköz.</a:t>
             </a:r>
           </a:p>
           <a:p>
@@ -4176,20 +4161,11 @@
               <a:rPr lang="hu-HU" dirty="0"/>
               <a:t>pl. hosszútávú utazásra, sűrű városi forgalomra, cirkálásra, versenyzésre</a:t>
             </a:r>
-            <a:endParaRPr lang="hu-HU" dirty="0" smtClean="0"/>
-          </a:p>
-          <a:p>
-            <a:r>
-              <a:rPr lang="hu-HU" dirty="0" smtClean="0"/>
-              <a:t>Világszerte </a:t>
-            </a:r>
+          </a:p>
+          <a:p>
             <a:r>
               <a:rPr lang="hu-HU" dirty="0"/>
-              <a:t>kb. 200 millió darab van </a:t>
-            </a:r>
-            <a:r>
-              <a:rPr lang="hu-HU" dirty="0" smtClean="0"/>
-              <a:t>használatban</a:t>
+              <a:t>Világszerte kb. 200 millió darab van használatban</a:t>
             </a:r>
           </a:p>
           <a:p>
@@ -4251,10 +4227,9 @@
           <a:lstStyle/>
           <a:p>
             <a:r>
-              <a:rPr lang="hu-HU" dirty="0" smtClean="0"/>
+              <a:rPr lang="hu-HU" dirty="0"/>
               <a:t>Története</a:t>
             </a:r>
-            <a:endParaRPr lang="hu-HU" dirty="0"/>
           </a:p>
         </p:txBody>
       </p:sp>
@@ -4277,22 +4252,16 @@
               <a:rPr lang="hu-HU" dirty="0">
                 <a:latin typeface="Bahnschrift SemiLight Condensed" panose="020B0502040204020203" pitchFamily="34" charset="0"/>
               </a:rPr>
-              <a:t>Tervezte és </a:t>
-            </a:r>
-            <a:r>
-              <a:rPr lang="hu-HU" dirty="0" smtClean="0">
-                <a:latin typeface="Bahnschrift SemiLight Condensed" panose="020B0502040204020203" pitchFamily="34" charset="0"/>
-              </a:rPr>
-              <a:t>építette (</a:t>
-            </a:r>
-            <a:r>
-              <a:rPr lang="hu-HU" dirty="0" err="1" smtClean="0">
+              <a:t>Tervezte és építette (</a:t>
+            </a:r>
+            <a:r>
+              <a:rPr lang="hu-HU" dirty="0" err="1">
                 <a:latin typeface="Bahnschrift SemiLight Condensed" panose="020B0502040204020203" pitchFamily="34" charset="0"/>
               </a:rPr>
               <a:t>Gottlieb</a:t>
             </a:r>
             <a:r>
-              <a:rPr lang="hu-HU" dirty="0" smtClean="0">
+              <a:rPr lang="hu-HU" dirty="0">
                 <a:latin typeface="Bahnschrift SemiLight Condensed" panose="020B0502040204020203" pitchFamily="34" charset="0"/>
               </a:rPr>
               <a:t> </a:t>
@@ -4310,47 +4279,32 @@
               <a:t> és Wilhelm </a:t>
             </a:r>
             <a:r>
-              <a:rPr lang="hu-HU" dirty="0" err="1" smtClean="0">
+              <a:rPr lang="hu-HU" dirty="0" err="1">
                 <a:latin typeface="Bahnschrift SemiLight Condensed" panose="020B0502040204020203" pitchFamily="34" charset="0"/>
               </a:rPr>
               <a:t>Maybach</a:t>
             </a:r>
             <a:r>
-              <a:rPr lang="hu-HU" dirty="0" smtClean="0">
+              <a:rPr lang="hu-HU" dirty="0">
                 <a:latin typeface="Bahnschrift SemiLight Condensed" panose="020B0502040204020203" pitchFamily="34" charset="0"/>
               </a:rPr>
               <a:t>)</a:t>
             </a:r>
-            <a:endParaRPr lang="hu-HU" dirty="0">
-              <a:latin typeface="Bahnschrift SemiLight Condensed" panose="020B0502040204020203" pitchFamily="34" charset="0"/>
-            </a:endParaRPr>
           </a:p>
           <a:p>
             <a:r>
               <a:rPr lang="hu-HU" dirty="0">
                 <a:latin typeface="Bahnschrift SemiLight Condensed" panose="020B0502040204020203" pitchFamily="34" charset="0"/>
               </a:rPr>
-              <a:t>Első megvásárolható </a:t>
-            </a:r>
-            <a:r>
-              <a:rPr lang="hu-HU" dirty="0" smtClean="0">
-                <a:latin typeface="Bahnschrift SemiLight Condensed" panose="020B0502040204020203" pitchFamily="34" charset="0"/>
-              </a:rPr>
-              <a:t>kerékpár</a:t>
-            </a:r>
-          </a:p>
-          <a:p>
-            <a:r>
-              <a:rPr lang="hu-HU" dirty="0" smtClean="0">
-                <a:latin typeface="Bahnschrift SemiLight Condensed" panose="020B0502040204020203" pitchFamily="34" charset="0"/>
-              </a:rPr>
-              <a:t>Első </a:t>
-            </a:r>
+              <a:t>Első megvásárolható kerékpár</a:t>
+            </a:r>
+          </a:p>
+          <a:p>
             <a:r>
               <a:rPr lang="hu-HU" dirty="0">
                 <a:latin typeface="Bahnschrift SemiLight Condensed" panose="020B0502040204020203" pitchFamily="34" charset="0"/>
               </a:rPr>
-              <a:t>világháborúig az </a:t>
+              <a:t>Első világháborúig az </a:t>
             </a:r>
             <a:r>
               <a:rPr lang="hu-HU" dirty="0" err="1">
@@ -4362,47 +4316,23 @@
               <a:rPr lang="hu-HU" dirty="0">
                 <a:latin typeface="Bahnschrift SemiLight Condensed" panose="020B0502040204020203" pitchFamily="34" charset="0"/>
               </a:rPr>
-              <a:t> volt a legnagyobb </a:t>
-            </a:r>
-            <a:r>
-              <a:rPr lang="hu-HU" dirty="0" smtClean="0">
-                <a:latin typeface="Bahnschrift SemiLight Condensed" panose="020B0502040204020203" pitchFamily="34" charset="0"/>
-              </a:rPr>
-              <a:t>motorkerékpárgyártó</a:t>
-            </a:r>
-          </a:p>
-          <a:p>
-            <a:r>
-              <a:rPr lang="hu-HU" dirty="0" smtClean="0">
-                <a:latin typeface="Bahnschrift SemiLight Condensed" panose="020B0502040204020203" pitchFamily="34" charset="0"/>
-              </a:rPr>
-              <a:t>1920-ra </a:t>
-            </a:r>
+              <a:t> volt a legnagyobb motorkerékpárgyártó</a:t>
+            </a:r>
+          </a:p>
+          <a:p>
             <a:r>
               <a:rPr lang="hu-HU" dirty="0">
                 <a:latin typeface="Bahnschrift SemiLight Condensed" panose="020B0502040204020203" pitchFamily="34" charset="0"/>
               </a:rPr>
-              <a:t>a dicsőség a Harley-Davidsoné </a:t>
-            </a:r>
-            <a:r>
-              <a:rPr lang="hu-HU" dirty="0" smtClean="0">
-                <a:latin typeface="Bahnschrift SemiLight Condensed" panose="020B0502040204020203" pitchFamily="34" charset="0"/>
-              </a:rPr>
-              <a:t>lett</a:t>
-            </a:r>
-          </a:p>
-          <a:p>
-            <a:r>
-              <a:rPr lang="hu-HU" dirty="0" smtClean="0">
-                <a:latin typeface="Bahnschrift SemiLight Condensed" panose="020B0502040204020203" pitchFamily="34" charset="0"/>
-              </a:rPr>
-              <a:t>1930-as </a:t>
-            </a:r>
+              <a:t>1920-ra a dicsőség a Harley-Davidsoné lett</a:t>
+            </a:r>
+          </a:p>
+          <a:p>
             <a:r>
               <a:rPr lang="hu-HU" dirty="0">
                 <a:latin typeface="Bahnschrift SemiLight Condensed" panose="020B0502040204020203" pitchFamily="34" charset="0"/>
               </a:rPr>
-              <a:t>évek elejére a DKW lett a legnagyobb gyártó</a:t>
+              <a:t>1930-as évek elejére a DKW lett a legnagyobb gyártó</a:t>
             </a:r>
           </a:p>
           <a:p>
@@ -4456,10 +4386,9 @@
           <a:lstStyle/>
           <a:p>
             <a:r>
-              <a:rPr lang="hu-HU" dirty="0" smtClean="0"/>
+              <a:rPr lang="hu-HU" dirty="0"/>
               <a:t>Biztonság</a:t>
             </a:r>
-            <a:endParaRPr lang="hu-HU" dirty="0"/>
           </a:p>
         </p:txBody>
       </p:sp>
@@ -4489,13 +4418,7 @@
               <a:rPr lang="hu-HU" dirty="0">
                 <a:latin typeface="Bahnschrift SemiLight Condensed" panose="020B0502040204020203" pitchFamily="34" charset="0"/>
               </a:rPr>
-              <a:t>A motorkerékpárok jellegük miatt nem rendelkeznek olyan külső karosszériával, mint az </a:t>
-            </a:r>
-            <a:r>
-              <a:rPr lang="hu-HU" dirty="0" smtClean="0">
-                <a:latin typeface="Bahnschrift SemiLight Condensed" panose="020B0502040204020203" pitchFamily="34" charset="0"/>
-              </a:rPr>
-              <a:t>autók</a:t>
+              <a:t>A motorkerékpárok jellegük miatt nem rendelkeznek olyan külső karosszériával, mint az autók</a:t>
             </a:r>
           </a:p>
           <a:p>
@@ -4503,13 +4426,7 @@
               <a:rPr lang="hu-HU" dirty="0">
                 <a:latin typeface="Bahnschrift SemiLight Condensed" panose="020B0502040204020203" pitchFamily="34" charset="0"/>
               </a:rPr>
-              <a:t>motorkerékpár két kerekéből adódó instabilitás miatt a motorkerékpár fokozottabban rejt magában </a:t>
-            </a:r>
-            <a:r>
-              <a:rPr lang="hu-HU" dirty="0" smtClean="0">
-                <a:latin typeface="Bahnschrift SemiLight Condensed" panose="020B0502040204020203" pitchFamily="34" charset="0"/>
-              </a:rPr>
-              <a:t>balesetveszélyt</a:t>
+              <a:t>motorkerékpár két kerekéből adódó instabilitás miatt a motorkerékpár fokozottabban rejt magában balesetveszélyt</a:t>
             </a:r>
           </a:p>
           <a:p>
@@ -4517,27 +4434,15 @@
               <a:rPr lang="hu-HU" dirty="0">
                 <a:latin typeface="Bahnschrift SemiLight Condensed" panose="020B0502040204020203" pitchFamily="34" charset="0"/>
               </a:rPr>
-              <a:t>motorosnak megfelelő védőruházatot kell viselnie, ami megvédi a menetszéltől és az esetleges </a:t>
-            </a:r>
-            <a:r>
-              <a:rPr lang="hu-HU" dirty="0" smtClean="0">
-                <a:latin typeface="Bahnschrift SemiLight Condensed" panose="020B0502040204020203" pitchFamily="34" charset="0"/>
-              </a:rPr>
-              <a:t>balesetektől</a:t>
-            </a:r>
-          </a:p>
-          <a:p>
-            <a:r>
-              <a:rPr lang="hu-HU" dirty="0" smtClean="0">
-                <a:latin typeface="Bahnschrift SemiLight Condensed" panose="020B0502040204020203" pitchFamily="34" charset="0"/>
-              </a:rPr>
-              <a:t>A </a:t>
-            </a:r>
+              <a:t>motorosnak megfelelő védőruházatot kell viselnie, ami megvédi a menetszéltől és az esetleges balesetektől</a:t>
+            </a:r>
+          </a:p>
+          <a:p>
             <a:r>
               <a:rPr lang="hu-HU" dirty="0">
                 <a:latin typeface="Bahnschrift SemiLight Condensed" panose="020B0502040204020203" pitchFamily="34" charset="0"/>
               </a:rPr>
-              <a:t>legjellemzőbb ilyen holmik:</a:t>
+              <a:t>A legjellemzőbb ilyen holmik:</a:t>
             </a:r>
           </a:p>
           <a:p>
@@ -4636,11 +4541,11 @@
           <a:lstStyle/>
           <a:p>
             <a:r>
-              <a:rPr lang="hu-HU" dirty="0" smtClean="0"/>
+              <a:rPr lang="hu-HU" dirty="0"/>
               <a:t>Arc </a:t>
             </a:r>
             <a:r>
-              <a:rPr lang="hu-HU" dirty="0" err="1" smtClean="0"/>
+              <a:rPr lang="hu-HU" dirty="0" err="1"/>
               <a:t>Vector</a:t>
             </a:r>
             <a:endParaRPr lang="hu-HU" sz="2800" dirty="0"/>
@@ -4666,30 +4571,15 @@
               <a:rPr lang="hu-HU" dirty="0">
                 <a:latin typeface="Bahnschrift SemiLight Condensed" panose="020B0502040204020203" pitchFamily="34" charset="0"/>
               </a:rPr>
-              <a:t> </a:t>
-            </a:r>
-            <a:r>
-              <a:rPr lang="hu-HU" dirty="0" smtClean="0">
-                <a:latin typeface="Bahnschrift SemiLight Condensed" panose="020B0502040204020203" pitchFamily="34" charset="0"/>
-              </a:rPr>
-              <a:t>A Világ Legdrágább motorja</a:t>
-            </a:r>
-            <a:endParaRPr lang="hu-HU" dirty="0">
-              <a:latin typeface="Bahnschrift SemiLight Condensed" panose="020B0502040204020203" pitchFamily="34" charset="0"/>
-            </a:endParaRPr>
-          </a:p>
-          <a:p>
-            <a:r>
-              <a:rPr lang="hu-HU" dirty="0" smtClean="0">
-                <a:latin typeface="Bahnschrift SemiLight Condensed" panose="020B0502040204020203" pitchFamily="34" charset="0"/>
-              </a:rPr>
-              <a:t>£90,000 </a:t>
-            </a:r>
+              <a:t> A Világ Legdrágább motorja</a:t>
+            </a:r>
+          </a:p>
+          <a:p>
             <a:r>
               <a:rPr lang="hu-HU" dirty="0">
                 <a:latin typeface="Bahnschrift SemiLight Condensed" panose="020B0502040204020203" pitchFamily="34" charset="0"/>
               </a:rPr>
-              <a:t>– 32,6 millió forint</a:t>
+              <a:t>£90,000 – 32,6 millió forint</a:t>
             </a:r>
           </a:p>
           <a:p>
@@ -4703,38 +4593,20 @@
               <a:rPr lang="hu-HU" i="1" dirty="0">
                 <a:latin typeface="Bahnschrift SemiLight Condensed" panose="020B0502040204020203" pitchFamily="34" charset="0"/>
               </a:rPr>
-              <a:t> lett első az Arc tisztán elektromos </a:t>
-            </a:r>
-            <a:r>
-              <a:rPr lang="hu-HU" i="1" dirty="0" smtClean="0">
-                <a:latin typeface="Bahnschrift SemiLight Condensed" panose="020B0502040204020203" pitchFamily="34" charset="0"/>
-              </a:rPr>
-              <a:t>hajtású</a:t>
-            </a:r>
-          </a:p>
-          <a:p>
-            <a:r>
-              <a:rPr lang="hu-HU" i="1" dirty="0" smtClean="0">
-                <a:latin typeface="Bahnschrift SemiLight Condensed" panose="020B0502040204020203" pitchFamily="34" charset="0"/>
-              </a:rPr>
-              <a:t>190 </a:t>
-            </a:r>
+              <a:t> lett első az Arc tisztán elektromos hajtású</a:t>
+            </a:r>
+          </a:p>
+          <a:p>
             <a:r>
               <a:rPr lang="hu-HU" i="1" dirty="0">
                 <a:latin typeface="Bahnschrift SemiLight Condensed" panose="020B0502040204020203" pitchFamily="34" charset="0"/>
               </a:rPr>
-              <a:t>km/órás végsebességű </a:t>
-            </a:r>
-            <a:r>
-              <a:rPr lang="hu-HU" i="1" dirty="0" smtClean="0">
-                <a:latin typeface="Bahnschrift SemiLight Condensed" panose="020B0502040204020203" pitchFamily="34" charset="0"/>
-              </a:rPr>
-              <a:t>villanymotorja.</a:t>
-            </a:r>
-          </a:p>
-          <a:p>
-            <a:r>
-              <a:rPr lang="hu-HU" i="1" dirty="0" smtClean="0">
+              <a:t>190 km/órás végsebességű villanymotorja.</a:t>
+            </a:r>
+          </a:p>
+          <a:p>
+            <a:r>
+              <a:rPr lang="hu-HU" i="1" dirty="0">
                 <a:latin typeface="Bahnschrift SemiLight Condensed" panose="020B0502040204020203" pitchFamily="34" charset="0"/>
               </a:rPr>
               <a:t>A </a:t>
@@ -4749,50 +4621,23 @@
               <a:rPr lang="hu-HU" i="1" dirty="0">
                 <a:latin typeface="Bahnschrift SemiLight Condensed" panose="020B0502040204020203" pitchFamily="34" charset="0"/>
               </a:rPr>
-              <a:t> igazi nagyágyú az amperfalók </a:t>
-            </a:r>
-            <a:r>
-              <a:rPr lang="hu-HU" i="1" dirty="0" smtClean="0">
-                <a:latin typeface="Bahnschrift SemiLight Condensed" panose="020B0502040204020203" pitchFamily="34" charset="0"/>
-              </a:rPr>
-              <a:t>között</a:t>
-            </a:r>
-          </a:p>
-          <a:p>
-            <a:r>
-              <a:rPr lang="hu-HU" i="1" dirty="0" smtClean="0">
-                <a:latin typeface="Bahnschrift SemiLight Condensed" panose="020B0502040204020203" pitchFamily="34" charset="0"/>
-              </a:rPr>
-              <a:t>hiszen </a:t>
-            </a:r>
+              <a:t> igazi nagyágyú az amperfalók között</a:t>
+            </a:r>
+          </a:p>
+          <a:p>
             <a:r>
               <a:rPr lang="hu-HU" i="1" dirty="0">
                 <a:latin typeface="Bahnschrift SemiLight Condensed" panose="020B0502040204020203" pitchFamily="34" charset="0"/>
               </a:rPr>
-              <a:t>3,1 másodperc alatt gyorsul </a:t>
-            </a:r>
-            <a:r>
-              <a:rPr lang="hu-HU" i="1" dirty="0" smtClean="0">
-                <a:latin typeface="Bahnschrift SemiLight Condensed" panose="020B0502040204020203" pitchFamily="34" charset="0"/>
-              </a:rPr>
-              <a:t>százra</a:t>
-            </a:r>
-            <a:endParaRPr lang="hu-HU" i="1" dirty="0">
-              <a:latin typeface="Bahnschrift SemiLight Condensed" panose="020B0502040204020203" pitchFamily="34" charset="0"/>
-            </a:endParaRPr>
-          </a:p>
-          <a:p>
-            <a:r>
-              <a:rPr lang="hu-HU" i="1" dirty="0" smtClean="0">
-                <a:latin typeface="Bahnschrift SemiLight Condensed" panose="020B0502040204020203" pitchFamily="34" charset="0"/>
-              </a:rPr>
-              <a:t>320 </a:t>
-            </a:r>
+              <a:t>hiszen 3,1 másodperc alatt gyorsul százra</a:t>
+            </a:r>
+          </a:p>
+          <a:p>
             <a:r>
               <a:rPr lang="hu-HU" i="1" dirty="0">
                 <a:latin typeface="Bahnschrift SemiLight Condensed" panose="020B0502040204020203" pitchFamily="34" charset="0"/>
               </a:rPr>
-              <a:t>kilométert is megtehet egy töltéssel</a:t>
+              <a:t>320 kilométert is megtehet egy töltéssel</a:t>
             </a:r>
             <a:endParaRPr lang="hu-HU" dirty="0">
               <a:latin typeface="Bahnschrift SemiLight Condensed" panose="020B0502040204020203" pitchFamily="34" charset="0"/>
@@ -4840,31 +4685,23 @@
             <p:ph type="title"/>
           </p:nvPr>
         </p:nvSpPr>
-        <p:spPr/>
-        <p:txBody>
-          <a:bodyPr/>
-          <a:lstStyle/>
-          <a:p>
-            <a:endParaRPr lang="hu-HU"/>
-          </a:p>
-        </p:txBody>
-      </p:sp>
-      <p:sp>
-        <p:nvSpPr>
-          <p:cNvPr id="3" name="Tartalom helye 2"/>
-          <p:cNvSpPr>
-            <a:spLocks noGrp="1"/>
-          </p:cNvSpPr>
-          <p:nvPr>
-            <p:ph idx="1"/>
-          </p:nvPr>
-        </p:nvSpPr>
-        <p:spPr/>
-        <p:txBody>
-          <a:bodyPr/>
-          <a:lstStyle/>
-          <a:p>
-            <a:endParaRPr lang="hu-HU"/>
+        <p:spPr>
+          <a:xfrm>
+            <a:off x="-333460" y="1127879"/>
+            <a:ext cx="12858919" cy="4846895"/>
+          </a:xfrm>
+        </p:spPr>
+        <p:txBody>
+          <a:bodyPr>
+            <a:normAutofit/>
+          </a:bodyPr>
+          <a:lstStyle/>
+          <a:p>
+            <a:pPr algn="ctr"/>
+            <a:r>
+              <a:rPr lang="hu-HU" sz="8000" dirty="0"/>
+              <a:t>Köszönjük a Figyelmet</a:t>
+            </a:r>
           </a:p>
         </p:txBody>
       </p:sp>
